--- a/Slides/13_Dimensionality Reduction.pptx
+++ b/Slides/13_Dimensionality Reduction.pptx
@@ -277,7 +277,7 @@
           <a:p>
             <a:fld id="{488B9FED-0A03-43C5-BE2A-1419CBCB1EC0}" type="datetimeFigureOut">
               <a:rPr lang="zh-CN" altLang="en-US" smtClean="0"/>
-              <a:t>2017/7/30</a:t>
+              <a:t>2017/9/14</a:t>
             </a:fld>
             <a:endParaRPr lang="zh-CN" altLang="en-US"/>
           </a:p>
